--- a/AAP/Schema_architecture.pptx
+++ b/AAP/Schema_architecture.pptx
@@ -104,6 +104,11 @@
       </a:defRPr>
     </a:lvl9pPr>
   </p:defaultTextStyle>
+  <p:extLst>
+    <p:ext uri="{EFAFB233-063F-42B5-8137-9DF3F51BA10A}">
+      <p15:sldGuideLst xmlns:p15="http://schemas.microsoft.com/office/powerpoint/2012/main"/>
+    </p:ext>
+  </p:extLst>
 </p:presentation>
 </file>
 
@@ -3113,13 +3118,15 @@
       <p:cxnSp>
         <p:nvCxnSpPr>
           <p:cNvPr id="26" name="Connecteur droit avec flèche 25"/>
-          <p:cNvCxnSpPr/>
+          <p:cNvCxnSpPr>
+            <a:endCxn id="31" idx="1"/>
+          </p:cNvCxnSpPr>
           <p:nvPr/>
         </p:nvCxnSpPr>
         <p:spPr>
           <a:xfrm flipV="1">
             <a:off x="5160813" y="3052557"/>
-            <a:ext cx="1080651" cy="18411"/>
+            <a:ext cx="1529789" cy="18412"/>
           </a:xfrm>
           <a:prstGeom prst="straightConnector1">
             <a:avLst/>
@@ -3154,7 +3161,7 @@
         </p:nvSpPr>
         <p:spPr>
           <a:xfrm>
-            <a:off x="6220702" y="2757054"/>
+            <a:off x="6690602" y="2757054"/>
             <a:ext cx="1109234" cy="591005"/>
           </a:xfrm>
           <a:prstGeom prst="roundRect">
@@ -3218,14 +3225,12 @@
       <p:cxnSp>
         <p:nvCxnSpPr>
           <p:cNvPr id="33" name="Connecteur droit avec flèche 32"/>
-          <p:cNvCxnSpPr>
-            <a:endCxn id="31" idx="0"/>
-          </p:cNvCxnSpPr>
+          <p:cNvCxnSpPr/>
           <p:nvPr/>
         </p:nvCxnSpPr>
         <p:spPr>
           <a:xfrm flipH="1">
-            <a:off x="6775319" y="1907854"/>
+            <a:off x="7042019" y="1907854"/>
             <a:ext cx="2407" cy="849200"/>
           </a:xfrm>
           <a:prstGeom prst="straightConnector1">
@@ -3324,13 +3329,14 @@
           <p:cNvPr id="37" name="Connecteur droit avec flèche 36"/>
           <p:cNvCxnSpPr>
             <a:stCxn id="31" idx="3"/>
+            <a:endCxn id="38" idx="1"/>
           </p:cNvCxnSpPr>
           <p:nvPr/>
         </p:nvCxnSpPr>
         <p:spPr>
-          <a:xfrm>
-            <a:off x="7329936" y="3052557"/>
-            <a:ext cx="878892" cy="1"/>
+          <a:xfrm flipV="1">
+            <a:off x="7799836" y="3052556"/>
+            <a:ext cx="415930" cy="1"/>
           </a:xfrm>
           <a:prstGeom prst="straightConnector1">
             <a:avLst/>
@@ -3892,7 +3898,7 @@
         </p:nvCxnSpPr>
         <p:spPr>
           <a:xfrm flipH="1">
-            <a:off x="7600964" y="2912355"/>
+            <a:off x="7893064" y="2912355"/>
             <a:ext cx="280520" cy="280520"/>
           </a:xfrm>
           <a:prstGeom prst="line">
@@ -3927,7 +3933,7 @@
         </p:nvSpPr>
         <p:spPr>
           <a:xfrm>
-            <a:off x="7587109" y="2675080"/>
+            <a:off x="7879209" y="2675080"/>
             <a:ext cx="280520" cy="369332"/>
           </a:xfrm>
           <a:prstGeom prst="rect">
@@ -4176,7 +4182,7 @@
         </p:nvSpPr>
         <p:spPr>
           <a:xfrm>
-            <a:off x="6014599" y="2258505"/>
+            <a:off x="6890899" y="2258505"/>
             <a:ext cx="831272" cy="369332"/>
           </a:xfrm>
           <a:prstGeom prst="rect">
@@ -5538,7 +5544,6 @@
               <a:rPr lang="fr-FR" b="1" dirty="0"/>
               <a:t>?</a:t>
             </a:r>
-            <a:endParaRPr lang="fr-FR" b="1" dirty="0"/>
           </a:p>
         </p:txBody>
       </p:sp>
@@ -5823,8 +5828,8 @@
         </p:nvCxnSpPr>
         <p:spPr>
           <a:xfrm>
-            <a:off x="6858571" y="2150845"/>
-            <a:ext cx="3891440" cy="0"/>
+            <a:off x="6477000" y="2150845"/>
+            <a:ext cx="4273011" cy="0"/>
           </a:xfrm>
           <a:prstGeom prst="straightConnector1">
             <a:avLst/>
@@ -5891,8 +5896,8 @@
         </p:nvCxnSpPr>
         <p:spPr>
           <a:xfrm flipH="1">
-            <a:off x="3320889" y="2144651"/>
-            <a:ext cx="3376626" cy="16702"/>
+            <a:off x="3313731" y="2161353"/>
+            <a:ext cx="2702100" cy="0"/>
           </a:xfrm>
           <a:prstGeom prst="straightConnector1">
             <a:avLst/>
@@ -5982,6 +5987,79 @@
           </a:p>
         </p:txBody>
       </p:sp>
+      <p:cxnSp>
+        <p:nvCxnSpPr>
+          <p:cNvPr id="84" name="Connecteur droit avec flèche 83"/>
+          <p:cNvCxnSpPr/>
+          <p:nvPr/>
+        </p:nvCxnSpPr>
+        <p:spPr>
+          <a:xfrm flipH="1" flipV="1">
+            <a:off x="6399058" y="1932714"/>
+            <a:ext cx="1" cy="1102024"/>
+          </a:xfrm>
+          <a:prstGeom prst="straightConnector1">
+            <a:avLst/>
+          </a:prstGeom>
+          <a:ln w="28575">
+            <a:solidFill>
+              <a:schemeClr val="tx1"/>
+            </a:solidFill>
+            <a:tailEnd type="triangle"/>
+          </a:ln>
+        </p:spPr>
+        <p:style>
+          <a:lnRef idx="1">
+            <a:schemeClr val="accent1"/>
+          </a:lnRef>
+          <a:fillRef idx="0">
+            <a:schemeClr val="accent1"/>
+          </a:fillRef>
+          <a:effectRef idx="0">
+            <a:schemeClr val="accent1"/>
+          </a:effectRef>
+          <a:fontRef idx="minor">
+            <a:schemeClr val="tx1"/>
+          </a:fontRef>
+        </p:style>
+      </p:cxnSp>
+      <p:cxnSp>
+        <p:nvCxnSpPr>
+          <p:cNvPr id="87" name="Connecteur droit avec flèche 86"/>
+          <p:cNvCxnSpPr/>
+          <p:nvPr/>
+        </p:nvCxnSpPr>
+        <p:spPr>
+          <a:xfrm flipH="1">
+            <a:off x="6143675" y="2158973"/>
+            <a:ext cx="189449" cy="454"/>
+          </a:xfrm>
+          <a:prstGeom prst="straightConnector1">
+            <a:avLst/>
+          </a:prstGeom>
+          <a:ln w="28575">
+            <a:solidFill>
+              <a:schemeClr val="tx1"/>
+            </a:solidFill>
+            <a:headEnd type="none" w="med" len="med"/>
+            <a:tailEnd type="none" w="med" len="med"/>
+          </a:ln>
+        </p:spPr>
+        <p:style>
+          <a:lnRef idx="1">
+            <a:schemeClr val="accent1"/>
+          </a:lnRef>
+          <a:fillRef idx="0">
+            <a:schemeClr val="accent1"/>
+          </a:fillRef>
+          <a:effectRef idx="0">
+            <a:schemeClr val="accent1"/>
+          </a:effectRef>
+          <a:fontRef idx="minor">
+            <a:schemeClr val="tx1"/>
+          </a:fontRef>
+        </p:style>
+      </p:cxnSp>
     </p:spTree>
     <p:extLst>
       <p:ext uri="{BB962C8B-B14F-4D97-AF65-F5344CB8AC3E}">
